--- a/TYTaster ATU Sligo - HTML.pptx
+++ b/TYTaster ATU Sligo - HTML.pptx
@@ -266,7 +266,7 @@
           <a:p>
             <a:fld id="{3EE100C3-327E-BF42-92BF-5A30677BE9BC}" type="datetimeFigureOut">
               <a:rPr lang="en-US" smtClean="0"/>
-              <a:t>3/11/24</a:t>
+              <a:t>3/12/24</a:t>
             </a:fld>
             <a:endParaRPr lang="en-US"/>
           </a:p>
@@ -466,7 +466,7 @@
           <a:p>
             <a:fld id="{3EE100C3-327E-BF42-92BF-5A30677BE9BC}" type="datetimeFigureOut">
               <a:rPr lang="en-US" smtClean="0"/>
-              <a:t>3/11/24</a:t>
+              <a:t>3/12/24</a:t>
             </a:fld>
             <a:endParaRPr lang="en-US"/>
           </a:p>
@@ -676,7 +676,7 @@
           <a:p>
             <a:fld id="{3EE100C3-327E-BF42-92BF-5A30677BE9BC}" type="datetimeFigureOut">
               <a:rPr lang="en-US" smtClean="0"/>
-              <a:t>3/11/24</a:t>
+              <a:t>3/12/24</a:t>
             </a:fld>
             <a:endParaRPr lang="en-US"/>
           </a:p>
@@ -2822,7 +2822,7 @@
           <a:p>
             <a:fld id="{3EE100C3-327E-BF42-92BF-5A30677BE9BC}" type="datetimeFigureOut">
               <a:rPr lang="en-US" smtClean="0"/>
-              <a:t>3/11/24</a:t>
+              <a:t>3/12/24</a:t>
             </a:fld>
             <a:endParaRPr lang="en-US"/>
           </a:p>
@@ -3098,7 +3098,7 @@
           <a:p>
             <a:fld id="{3EE100C3-327E-BF42-92BF-5A30677BE9BC}" type="datetimeFigureOut">
               <a:rPr lang="en-US" smtClean="0"/>
-              <a:t>3/11/24</a:t>
+              <a:t>3/12/24</a:t>
             </a:fld>
             <a:endParaRPr lang="en-US"/>
           </a:p>
@@ -3366,7 +3366,7 @@
           <a:p>
             <a:fld id="{3EE100C3-327E-BF42-92BF-5A30677BE9BC}" type="datetimeFigureOut">
               <a:rPr lang="en-US" smtClean="0"/>
-              <a:t>3/11/24</a:t>
+              <a:t>3/12/24</a:t>
             </a:fld>
             <a:endParaRPr lang="en-US"/>
           </a:p>
@@ -3781,7 +3781,7 @@
           <a:p>
             <a:fld id="{3EE100C3-327E-BF42-92BF-5A30677BE9BC}" type="datetimeFigureOut">
               <a:rPr lang="en-US" smtClean="0"/>
-              <a:t>3/11/24</a:t>
+              <a:t>3/12/24</a:t>
             </a:fld>
             <a:endParaRPr lang="en-US"/>
           </a:p>
@@ -3923,7 +3923,7 @@
           <a:p>
             <a:fld id="{3EE100C3-327E-BF42-92BF-5A30677BE9BC}" type="datetimeFigureOut">
               <a:rPr lang="en-US" smtClean="0"/>
-              <a:t>3/11/24</a:t>
+              <a:t>3/12/24</a:t>
             </a:fld>
             <a:endParaRPr lang="en-US"/>
           </a:p>
@@ -4036,7 +4036,7 @@
           <a:p>
             <a:fld id="{3EE100C3-327E-BF42-92BF-5A30677BE9BC}" type="datetimeFigureOut">
               <a:rPr lang="en-US" smtClean="0"/>
-              <a:t>3/11/24</a:t>
+              <a:t>3/12/24</a:t>
             </a:fld>
             <a:endParaRPr lang="en-US"/>
           </a:p>
@@ -4349,7 +4349,7 @@
           <a:p>
             <a:fld id="{3EE100C3-327E-BF42-92BF-5A30677BE9BC}" type="datetimeFigureOut">
               <a:rPr lang="en-US" smtClean="0"/>
-              <a:t>3/11/24</a:t>
+              <a:t>3/12/24</a:t>
             </a:fld>
             <a:endParaRPr lang="en-US"/>
           </a:p>
@@ -4638,7 +4638,7 @@
           <a:p>
             <a:fld id="{3EE100C3-327E-BF42-92BF-5A30677BE9BC}" type="datetimeFigureOut">
               <a:rPr lang="en-US" smtClean="0"/>
-              <a:t>3/11/24</a:t>
+              <a:t>3/12/24</a:t>
             </a:fld>
             <a:endParaRPr lang="en-US"/>
           </a:p>
@@ -4881,7 +4881,7 @@
           <a:p>
             <a:fld id="{3EE100C3-327E-BF42-92BF-5A30677BE9BC}" type="datetimeFigureOut">
               <a:rPr lang="en-US" smtClean="0"/>
-              <a:t>3/11/24</a:t>
+              <a:t>3/12/24</a:t>
             </a:fld>
             <a:endParaRPr lang="en-US"/>
           </a:p>
@@ -6115,15 +6115,7 @@
             </a:r>
             <a:r>
               <a:rPr lang="en-US" sz="1400" dirty="0"/>
-              <a:t>&gt;&lt;</a:t>
-            </a:r>
-            <a:r>
-              <a:rPr lang="en-US" sz="1400" dirty="0" err="1"/>
-              <a:t>llI</a:t>
-            </a:r>
-            <a:r>
-              <a:rPr lang="en-US" sz="1400" dirty="0"/>
-              <a:t>&lt;p&gt;&lt;a&gt;</a:t>
+              <a:t>&gt;&lt;li&gt;&lt;p&gt;&lt;a&gt;</a:t>
             </a:r>
           </a:p>
         </p:txBody>

--- a/TYTaster ATU Sligo - HTML.pptx
+++ b/TYTaster ATU Sligo - HTML.pptx
@@ -115,6 +115,35 @@
     </p:ext>
   </p:extLst>
 </p:presentation>
+</file>
+
+<file path=ppt/changesInfos/changesInfo1.xml><?xml version="1.0" encoding="utf-8"?>
+<pc:chgInfo xmlns:a="http://schemas.openxmlformats.org/drawingml/2006/main" xmlns:r="http://schemas.openxmlformats.org/officeDocument/2006/relationships" xmlns:ac="http://schemas.microsoft.com/office/drawing/2013/main/command" xmlns:pc="http://schemas.microsoft.com/office/powerpoint/2013/main/command">
+  <pc:docChgLst>
+    <pc:chgData name="Kevin Peyton" userId="d217ee7d-9433-47bc-9637-90d62c54a936" providerId="ADAL" clId="{F236230F-E019-C14E-A357-66BA5F0714C5}"/>
+    <pc:docChg chg="modSld">
+      <pc:chgData name="Kevin Peyton" userId="d217ee7d-9433-47bc-9637-90d62c54a936" providerId="ADAL" clId="{F236230F-E019-C14E-A357-66BA5F0714C5}" dt="2024-03-12T10:10:18.421" v="0" actId="20577"/>
+      <pc:docMkLst>
+        <pc:docMk/>
+      </pc:docMkLst>
+      <pc:sldChg chg="modSp mod">
+        <pc:chgData name="Kevin Peyton" userId="d217ee7d-9433-47bc-9637-90d62c54a936" providerId="ADAL" clId="{F236230F-E019-C14E-A357-66BA5F0714C5}" dt="2024-03-12T10:10:18.421" v="0" actId="20577"/>
+        <pc:sldMkLst>
+          <pc:docMk/>
+          <pc:sldMk cId="1217261443" sldId="258"/>
+        </pc:sldMkLst>
+        <pc:spChg chg="mod">
+          <ac:chgData name="Kevin Peyton" userId="d217ee7d-9433-47bc-9637-90d62c54a936" providerId="ADAL" clId="{F236230F-E019-C14E-A357-66BA5F0714C5}" dt="2024-03-12T10:10:18.421" v="0" actId="20577"/>
+          <ac:spMkLst>
+            <pc:docMk/>
+            <pc:sldMk cId="1217261443" sldId="258"/>
+            <ac:spMk id="3" creationId="{DEA279D3-6FD6-2B49-98E4-2A10C02C742B}"/>
+          </ac:spMkLst>
+        </pc:spChg>
+      </pc:sldChg>
+    </pc:docChg>
+  </pc:docChgLst>
+</pc:chgInfo>
 </file>
 
 <file path=ppt/slideLayouts/slideLayout1.xml><?xml version="1.0" encoding="utf-8"?>
@@ -5845,15 +5874,15 @@
             </a:r>
             <a:r>
               <a:rPr lang="en-US" dirty="0"/>
-              <a:t> – </a:t>
-            </a:r>
-            <a:r>
-              <a:rPr lang="en-US" dirty="0" err="1"/>
-              <a:t>undordered</a:t>
+              <a:t> </a:t>
+            </a:r>
+            <a:r>
+              <a:rPr lang="en-US"/>
+              <a:t>– unordered </a:t>
             </a:r>
             <a:r>
               <a:rPr lang="en-US" dirty="0"/>
-              <a:t> list (bullets)</a:t>
+              <a:t>list (bullets)</a:t>
             </a:r>
           </a:p>
           <a:p>
